--- a/content/teaching/v202/slides/1_Introduction.pptx
+++ b/content/teaching/v202/slides/1_Introduction.pptx
@@ -158,6 +158,1102 @@
 </p:presentation>
 </file>
 
+<file path=ppt/revisionInfo.xml><?xml version="1.0" encoding="utf-8"?>
+<p1510:revInfo xmlns:a="http://schemas.openxmlformats.org/drawingml/2006/main" xmlns:r="http://schemas.openxmlformats.org/officeDocument/2006/relationships" xmlns:p1510="http://schemas.microsoft.com/office/powerpoint/2015/10/main">
+  <p1510:revLst>
+    <p1510:client id="{18C8EC72-DBC6-554B-BF67-8D4281561888}" v="28" dt="2024-08-20T14:14:11.471"/>
+  </p1510:revLst>
+</p1510:revInfo>
+</file>
+
+<file path=ppt/changesInfos/changesInfo1.xml><?xml version="1.0" encoding="utf-8"?>
+<pc:chgInfo xmlns:a="http://schemas.openxmlformats.org/drawingml/2006/main" xmlns:r="http://schemas.openxmlformats.org/officeDocument/2006/relationships" xmlns:ac="http://schemas.microsoft.com/office/drawing/2013/main/command" xmlns:pc="http://schemas.microsoft.com/office/powerpoint/2013/main/command">
+  <pc:docChgLst>
+    <pc:chgData name="Navarro Ulloa, Luis Enrique" userId="adde1b74-f296-445a-8659-1214c6e2ca22" providerId="ADAL" clId="{18C8EC72-DBC6-554B-BF67-8D4281561888}"/>
+    <pc:docChg chg="modSld">
+      <pc:chgData name="Navarro Ulloa, Luis Enrique" userId="adde1b74-f296-445a-8659-1214c6e2ca22" providerId="ADAL" clId="{18C8EC72-DBC6-554B-BF67-8D4281561888}" dt="2024-08-20T14:17:18.826" v="152" actId="20577"/>
+      <pc:docMkLst>
+        <pc:docMk/>
+      </pc:docMkLst>
+      <pc:sldChg chg="modSp">
+        <pc:chgData name="Navarro Ulloa, Luis Enrique" userId="adde1b74-f296-445a-8659-1214c6e2ca22" providerId="ADAL" clId="{18C8EC72-DBC6-554B-BF67-8D4281561888}" dt="2024-08-20T14:15:16.279" v="150" actId="20577"/>
+        <pc:sldMkLst>
+          <pc:docMk/>
+          <pc:sldMk cId="1623448619" sldId="357"/>
+        </pc:sldMkLst>
+        <pc:spChg chg="mod">
+          <ac:chgData name="Navarro Ulloa, Luis Enrique" userId="adde1b74-f296-445a-8659-1214c6e2ca22" providerId="ADAL" clId="{18C8EC72-DBC6-554B-BF67-8D4281561888}" dt="2024-08-20T14:15:16.279" v="150" actId="20577"/>
+          <ac:spMkLst>
+            <pc:docMk/>
+            <pc:sldMk cId="1623448619" sldId="357"/>
+            <ac:spMk id="5" creationId="{E1114D44-DDFA-4B51-A25B-F988CE09A3C1}"/>
+          </ac:spMkLst>
+        </pc:spChg>
+      </pc:sldChg>
+      <pc:sldChg chg="modSp mod">
+        <pc:chgData name="Navarro Ulloa, Luis Enrique" userId="adde1b74-f296-445a-8659-1214c6e2ca22" providerId="ADAL" clId="{18C8EC72-DBC6-554B-BF67-8D4281561888}" dt="2024-08-20T14:12:59.566" v="1" actId="20577"/>
+        <pc:sldMkLst>
+          <pc:docMk/>
+          <pc:sldMk cId="604613589" sldId="363"/>
+        </pc:sldMkLst>
+        <pc:spChg chg="mod">
+          <ac:chgData name="Navarro Ulloa, Luis Enrique" userId="adde1b74-f296-445a-8659-1214c6e2ca22" providerId="ADAL" clId="{18C8EC72-DBC6-554B-BF67-8D4281561888}" dt="2024-08-20T14:12:59.566" v="1" actId="20577"/>
+          <ac:spMkLst>
+            <pc:docMk/>
+            <pc:sldMk cId="604613589" sldId="363"/>
+            <ac:spMk id="11" creationId="{BF1602D2-5AC3-8AC2-F630-020397F6961F}"/>
+          </ac:spMkLst>
+        </pc:spChg>
+      </pc:sldChg>
+      <pc:sldChg chg="modSp mod">
+        <pc:chgData name="Navarro Ulloa, Luis Enrique" userId="adde1b74-f296-445a-8659-1214c6e2ca22" providerId="ADAL" clId="{18C8EC72-DBC6-554B-BF67-8D4281561888}" dt="2024-08-20T14:13:42.933" v="35" actId="20577"/>
+        <pc:sldMkLst>
+          <pc:docMk/>
+          <pc:sldMk cId="1678413526" sldId="404"/>
+        </pc:sldMkLst>
+        <pc:spChg chg="mod">
+          <ac:chgData name="Navarro Ulloa, Luis Enrique" userId="adde1b74-f296-445a-8659-1214c6e2ca22" providerId="ADAL" clId="{18C8EC72-DBC6-554B-BF67-8D4281561888}" dt="2024-08-20T14:13:42.933" v="35" actId="20577"/>
+          <ac:spMkLst>
+            <pc:docMk/>
+            <pc:sldMk cId="1678413526" sldId="404"/>
+            <ac:spMk id="5" creationId="{E1114D44-DDFA-4B51-A25B-F988CE09A3C1}"/>
+          </ac:spMkLst>
+        </pc:spChg>
+      </pc:sldChg>
+      <pc:sldChg chg="modSp mod">
+        <pc:chgData name="Navarro Ulloa, Luis Enrique" userId="adde1b74-f296-445a-8659-1214c6e2ca22" providerId="ADAL" clId="{18C8EC72-DBC6-554B-BF67-8D4281561888}" dt="2024-08-20T14:17:18.826" v="152" actId="20577"/>
+        <pc:sldMkLst>
+          <pc:docMk/>
+          <pc:sldMk cId="3106022860" sldId="405"/>
+        </pc:sldMkLst>
+        <pc:spChg chg="mod">
+          <ac:chgData name="Navarro Ulloa, Luis Enrique" userId="adde1b74-f296-445a-8659-1214c6e2ca22" providerId="ADAL" clId="{18C8EC72-DBC6-554B-BF67-8D4281561888}" dt="2024-08-20T14:17:18.826" v="152" actId="20577"/>
+          <ac:spMkLst>
+            <pc:docMk/>
+            <pc:sldMk cId="3106022860" sldId="405"/>
+            <ac:spMk id="11" creationId="{BF1602D2-5AC3-8AC2-F630-020397F6961F}"/>
+          </ac:spMkLst>
+        </pc:spChg>
+      </pc:sldChg>
+    </pc:docChg>
+  </pc:docChgLst>
+  <pc:docChgLst>
+    <pc:chgData name="Navarro Ulloa, Luis Enrique" userId="adde1b74-f296-445a-8659-1214c6e2ca22" providerId="ADAL" clId="{B9F19E8F-F5F3-4BF0-AA51-F5FCA0D95F5F}"/>
+    <pc:docChg chg="undo custSel addSld delSld modSld sldOrd">
+      <pc:chgData name="Navarro Ulloa, Luis Enrique" userId="adde1b74-f296-445a-8659-1214c6e2ca22" providerId="ADAL" clId="{B9F19E8F-F5F3-4BF0-AA51-F5FCA0D95F5F}" dt="2022-08-14T23:19:40.935" v="7461" actId="1076"/>
+      <pc:docMkLst>
+        <pc:docMk/>
+      </pc:docMkLst>
+      <pc:sldChg chg="modSp mod modAnim">
+        <pc:chgData name="Navarro Ulloa, Luis Enrique" userId="adde1b74-f296-445a-8659-1214c6e2ca22" providerId="ADAL" clId="{B9F19E8F-F5F3-4BF0-AA51-F5FCA0D95F5F}" dt="2022-08-14T23:14:01.211" v="7408"/>
+        <pc:sldMkLst>
+          <pc:docMk/>
+          <pc:sldMk cId="1623448619" sldId="357"/>
+        </pc:sldMkLst>
+        <pc:spChg chg="mod">
+          <ac:chgData name="Navarro Ulloa, Luis Enrique" userId="adde1b74-f296-445a-8659-1214c6e2ca22" providerId="ADAL" clId="{B9F19E8F-F5F3-4BF0-AA51-F5FCA0D95F5F}" dt="2022-08-13T01:36:51.895" v="7196" actId="1076"/>
+          <ac:spMkLst>
+            <pc:docMk/>
+            <pc:sldMk cId="1623448619" sldId="357"/>
+            <ac:spMk id="5" creationId="{E1114D44-DDFA-4B51-A25B-F988CE09A3C1}"/>
+          </ac:spMkLst>
+        </pc:spChg>
+      </pc:sldChg>
+      <pc:sldChg chg="del">
+        <pc:chgData name="Navarro Ulloa, Luis Enrique" userId="adde1b74-f296-445a-8659-1214c6e2ca22" providerId="ADAL" clId="{B9F19E8F-F5F3-4BF0-AA51-F5FCA0D95F5F}" dt="2022-08-13T01:05:39.746" v="4624" actId="47"/>
+        <pc:sldMkLst>
+          <pc:docMk/>
+          <pc:sldMk cId="52661265" sldId="358"/>
+        </pc:sldMkLst>
+      </pc:sldChg>
+      <pc:sldChg chg="addSp delSp modSp mod ord">
+        <pc:chgData name="Navarro Ulloa, Luis Enrique" userId="adde1b74-f296-445a-8659-1214c6e2ca22" providerId="ADAL" clId="{B9F19E8F-F5F3-4BF0-AA51-F5FCA0D95F5F}" dt="2022-08-13T00:43:40.406" v="3230" actId="6549"/>
+        <pc:sldMkLst>
+          <pc:docMk/>
+          <pc:sldMk cId="2610543725" sldId="359"/>
+        </pc:sldMkLst>
+        <pc:spChg chg="del">
+          <ac:chgData name="Navarro Ulloa, Luis Enrique" userId="adde1b74-f296-445a-8659-1214c6e2ca22" providerId="ADAL" clId="{B9F19E8F-F5F3-4BF0-AA51-F5FCA0D95F5F}" dt="2022-08-13T00:06:11.657" v="1775" actId="478"/>
+          <ac:spMkLst>
+            <pc:docMk/>
+            <pc:sldMk cId="2610543725" sldId="359"/>
+            <ac:spMk id="2" creationId="{349D409F-D413-3C73-2E92-8AA4FBEE60E0}"/>
+          </ac:spMkLst>
+        </pc:spChg>
+        <pc:spChg chg="mod">
+          <ac:chgData name="Navarro Ulloa, Luis Enrique" userId="adde1b74-f296-445a-8659-1214c6e2ca22" providerId="ADAL" clId="{B9F19E8F-F5F3-4BF0-AA51-F5FCA0D95F5F}" dt="2022-08-13T00:43:40.406" v="3230" actId="6549"/>
+          <ac:spMkLst>
+            <pc:docMk/>
+            <pc:sldMk cId="2610543725" sldId="359"/>
+            <ac:spMk id="4" creationId="{65C81510-B585-55D4-871F-4373515622B0}"/>
+          </ac:spMkLst>
+        </pc:spChg>
+        <pc:spChg chg="mod">
+          <ac:chgData name="Navarro Ulloa, Luis Enrique" userId="adde1b74-f296-445a-8659-1214c6e2ca22" providerId="ADAL" clId="{B9F19E8F-F5F3-4BF0-AA51-F5FCA0D95F5F}" dt="2022-08-13T00:09:46.009" v="1794" actId="1076"/>
+          <ac:spMkLst>
+            <pc:docMk/>
+            <pc:sldMk cId="2610543725" sldId="359"/>
+            <ac:spMk id="5" creationId="{E1114D44-DDFA-4B51-A25B-F988CE09A3C1}"/>
+          </ac:spMkLst>
+        </pc:spChg>
+        <pc:spChg chg="del">
+          <ac:chgData name="Navarro Ulloa, Luis Enrique" userId="adde1b74-f296-445a-8659-1214c6e2ca22" providerId="ADAL" clId="{B9F19E8F-F5F3-4BF0-AA51-F5FCA0D95F5F}" dt="2022-08-13T00:06:13.752" v="1776" actId="478"/>
+          <ac:spMkLst>
+            <pc:docMk/>
+            <pc:sldMk cId="2610543725" sldId="359"/>
+            <ac:spMk id="6" creationId="{5B317DE9-9E50-4445-1D67-7CC8B6FF293B}"/>
+          </ac:spMkLst>
+        </pc:spChg>
+        <pc:picChg chg="add mod modCrop">
+          <ac:chgData name="Navarro Ulloa, Luis Enrique" userId="adde1b74-f296-445a-8659-1214c6e2ca22" providerId="ADAL" clId="{B9F19E8F-F5F3-4BF0-AA51-F5FCA0D95F5F}" dt="2022-08-13T00:19:53.713" v="2368" actId="1076"/>
+          <ac:picMkLst>
+            <pc:docMk/>
+            <pc:sldMk cId="2610543725" sldId="359"/>
+            <ac:picMk id="7" creationId="{3F20E31E-80C4-41F3-A145-5BFA25743A59}"/>
+          </ac:picMkLst>
+        </pc:picChg>
+        <pc:picChg chg="add mod">
+          <ac:chgData name="Navarro Ulloa, Luis Enrique" userId="adde1b74-f296-445a-8659-1214c6e2ca22" providerId="ADAL" clId="{B9F19E8F-F5F3-4BF0-AA51-F5FCA0D95F5F}" dt="2022-08-13T00:19:55.625" v="2369" actId="1076"/>
+          <ac:picMkLst>
+            <pc:docMk/>
+            <pc:sldMk cId="2610543725" sldId="359"/>
+            <ac:picMk id="8" creationId="{F6EAABCF-8FA8-13D2-E8D8-104797C288E9}"/>
+          </ac:picMkLst>
+        </pc:picChg>
+        <pc:picChg chg="add del mod">
+          <ac:chgData name="Navarro Ulloa, Luis Enrique" userId="adde1b74-f296-445a-8659-1214c6e2ca22" providerId="ADAL" clId="{B9F19E8F-F5F3-4BF0-AA51-F5FCA0D95F5F}" dt="2022-08-13T00:09:06.482" v="1782" actId="478"/>
+          <ac:picMkLst>
+            <pc:docMk/>
+            <pc:sldMk cId="2610543725" sldId="359"/>
+            <ac:picMk id="1026" creationId="{61EB353D-69A2-9BC2-9219-0CE0A5F83DB5}"/>
+          </ac:picMkLst>
+        </pc:picChg>
+        <pc:picChg chg="add del mod">
+          <ac:chgData name="Navarro Ulloa, Luis Enrique" userId="adde1b74-f296-445a-8659-1214c6e2ca22" providerId="ADAL" clId="{B9F19E8F-F5F3-4BF0-AA51-F5FCA0D95F5F}" dt="2022-08-13T00:16:28.137" v="2332" actId="21"/>
+          <ac:picMkLst>
+            <pc:docMk/>
+            <pc:sldMk cId="2610543725" sldId="359"/>
+            <ac:picMk id="1028" creationId="{7D49E226-BBD3-7059-C606-3692B2FCD650}"/>
+          </ac:picMkLst>
+        </pc:picChg>
+      </pc:sldChg>
+      <pc:sldChg chg="del">
+        <pc:chgData name="Navarro Ulloa, Luis Enrique" userId="adde1b74-f296-445a-8659-1214c6e2ca22" providerId="ADAL" clId="{B9F19E8F-F5F3-4BF0-AA51-F5FCA0D95F5F}" dt="2022-08-13T01:11:44.715" v="4955" actId="47"/>
+        <pc:sldMkLst>
+          <pc:docMk/>
+          <pc:sldMk cId="3575016283" sldId="360"/>
+        </pc:sldMkLst>
+      </pc:sldChg>
+      <pc:sldChg chg="del">
+        <pc:chgData name="Navarro Ulloa, Luis Enrique" userId="adde1b74-f296-445a-8659-1214c6e2ca22" providerId="ADAL" clId="{B9F19E8F-F5F3-4BF0-AA51-F5FCA0D95F5F}" dt="2022-08-13T01:11:41.970" v="4954" actId="47"/>
+        <pc:sldMkLst>
+          <pc:docMk/>
+          <pc:sldMk cId="3654461429" sldId="362"/>
+        </pc:sldMkLst>
+      </pc:sldChg>
+      <pc:sldChg chg="modSp mod">
+        <pc:chgData name="Navarro Ulloa, Luis Enrique" userId="adde1b74-f296-445a-8659-1214c6e2ca22" providerId="ADAL" clId="{B9F19E8F-F5F3-4BF0-AA51-F5FCA0D95F5F}" dt="2022-08-13T01:35:42.959" v="7183" actId="6549"/>
+        <pc:sldMkLst>
+          <pc:docMk/>
+          <pc:sldMk cId="3646166369" sldId="403"/>
+        </pc:sldMkLst>
+        <pc:spChg chg="mod">
+          <ac:chgData name="Navarro Ulloa, Luis Enrique" userId="adde1b74-f296-445a-8659-1214c6e2ca22" providerId="ADAL" clId="{B9F19E8F-F5F3-4BF0-AA51-F5FCA0D95F5F}" dt="2022-08-13T01:35:42.959" v="7183" actId="6549"/>
+          <ac:spMkLst>
+            <pc:docMk/>
+            <pc:sldMk cId="3646166369" sldId="403"/>
+            <ac:spMk id="2" creationId="{77EEEF4A-27D4-74A0-45FB-597BB183129F}"/>
+          </ac:spMkLst>
+        </pc:spChg>
+      </pc:sldChg>
+      <pc:sldChg chg="modSp mod">
+        <pc:chgData name="Navarro Ulloa, Luis Enrique" userId="adde1b74-f296-445a-8659-1214c6e2ca22" providerId="ADAL" clId="{B9F19E8F-F5F3-4BF0-AA51-F5FCA0D95F5F}" dt="2022-08-13T01:36:59.832" v="7199" actId="1076"/>
+        <pc:sldMkLst>
+          <pc:docMk/>
+          <pc:sldMk cId="1678413526" sldId="404"/>
+        </pc:sldMkLst>
+        <pc:spChg chg="mod">
+          <ac:chgData name="Navarro Ulloa, Luis Enrique" userId="adde1b74-f296-445a-8659-1214c6e2ca22" providerId="ADAL" clId="{B9F19E8F-F5F3-4BF0-AA51-F5FCA0D95F5F}" dt="2022-08-13T01:36:59.832" v="7199" actId="1076"/>
+          <ac:spMkLst>
+            <pc:docMk/>
+            <pc:sldMk cId="1678413526" sldId="404"/>
+            <ac:spMk id="5" creationId="{E1114D44-DDFA-4B51-A25B-F988CE09A3C1}"/>
+          </ac:spMkLst>
+        </pc:spChg>
+      </pc:sldChg>
+      <pc:sldChg chg="del">
+        <pc:chgData name="Navarro Ulloa, Luis Enrique" userId="adde1b74-f296-445a-8659-1214c6e2ca22" providerId="ADAL" clId="{B9F19E8F-F5F3-4BF0-AA51-F5FCA0D95F5F}" dt="2022-08-13T01:05:46.422" v="4626" actId="47"/>
+        <pc:sldMkLst>
+          <pc:docMk/>
+          <pc:sldMk cId="552448570" sldId="406"/>
+        </pc:sldMkLst>
+      </pc:sldChg>
+      <pc:sldChg chg="modSp mod modAnim">
+        <pc:chgData name="Navarro Ulloa, Luis Enrique" userId="adde1b74-f296-445a-8659-1214c6e2ca22" providerId="ADAL" clId="{B9F19E8F-F5F3-4BF0-AA51-F5FCA0D95F5F}" dt="2022-08-14T23:18:06.651" v="7455"/>
+        <pc:sldMkLst>
+          <pc:docMk/>
+          <pc:sldMk cId="774989160" sldId="407"/>
+        </pc:sldMkLst>
+        <pc:spChg chg="mod">
+          <ac:chgData name="Navarro Ulloa, Luis Enrique" userId="adde1b74-f296-445a-8659-1214c6e2ca22" providerId="ADAL" clId="{B9F19E8F-F5F3-4BF0-AA51-F5FCA0D95F5F}" dt="2022-08-13T01:15:48.045" v="5039" actId="27636"/>
+          <ac:spMkLst>
+            <pc:docMk/>
+            <pc:sldMk cId="774989160" sldId="407"/>
+            <ac:spMk id="5" creationId="{E1114D44-DDFA-4B51-A25B-F988CE09A3C1}"/>
+          </ac:spMkLst>
+        </pc:spChg>
+      </pc:sldChg>
+      <pc:sldChg chg="del">
+        <pc:chgData name="Navarro Ulloa, Luis Enrique" userId="adde1b74-f296-445a-8659-1214c6e2ca22" providerId="ADAL" clId="{B9F19E8F-F5F3-4BF0-AA51-F5FCA0D95F5F}" dt="2022-08-13T01:11:52.123" v="4958" actId="47"/>
+        <pc:sldMkLst>
+          <pc:docMk/>
+          <pc:sldMk cId="411856985" sldId="408"/>
+        </pc:sldMkLst>
+      </pc:sldChg>
+      <pc:sldChg chg="modSp mod modAnim">
+        <pc:chgData name="Navarro Ulloa, Luis Enrique" userId="adde1b74-f296-445a-8659-1214c6e2ca22" providerId="ADAL" clId="{B9F19E8F-F5F3-4BF0-AA51-F5FCA0D95F5F}" dt="2022-08-14T23:14:10.034" v="7409"/>
+        <pc:sldMkLst>
+          <pc:docMk/>
+          <pc:sldMk cId="2507119913" sldId="409"/>
+        </pc:sldMkLst>
+        <pc:spChg chg="mod">
+          <ac:chgData name="Navarro Ulloa, Luis Enrique" userId="adde1b74-f296-445a-8659-1214c6e2ca22" providerId="ADAL" clId="{B9F19E8F-F5F3-4BF0-AA51-F5FCA0D95F5F}" dt="2022-08-13T01:36:41.848" v="7192" actId="1076"/>
+          <ac:spMkLst>
+            <pc:docMk/>
+            <pc:sldMk cId="2507119913" sldId="409"/>
+            <ac:spMk id="5" creationId="{E1114D44-DDFA-4B51-A25B-F988CE09A3C1}"/>
+          </ac:spMkLst>
+        </pc:spChg>
+      </pc:sldChg>
+      <pc:sldChg chg="modSp del mod ord">
+        <pc:chgData name="Navarro Ulloa, Luis Enrique" userId="adde1b74-f296-445a-8659-1214c6e2ca22" providerId="ADAL" clId="{B9F19E8F-F5F3-4BF0-AA51-F5FCA0D95F5F}" dt="2022-08-13T01:11:50.512" v="4957" actId="47"/>
+        <pc:sldMkLst>
+          <pc:docMk/>
+          <pc:sldMk cId="1322112991" sldId="410"/>
+        </pc:sldMkLst>
+        <pc:spChg chg="mod">
+          <ac:chgData name="Navarro Ulloa, Luis Enrique" userId="adde1b74-f296-445a-8659-1214c6e2ca22" providerId="ADAL" clId="{B9F19E8F-F5F3-4BF0-AA51-F5FCA0D95F5F}" dt="2022-08-13T00:49:34.058" v="3580" actId="20577"/>
+          <ac:spMkLst>
+            <pc:docMk/>
+            <pc:sldMk cId="1322112991" sldId="410"/>
+            <ac:spMk id="4" creationId="{65C81510-B585-55D4-871F-4373515622B0}"/>
+          </ac:spMkLst>
+        </pc:spChg>
+        <pc:spChg chg="mod">
+          <ac:chgData name="Navarro Ulloa, Luis Enrique" userId="adde1b74-f296-445a-8659-1214c6e2ca22" providerId="ADAL" clId="{B9F19E8F-F5F3-4BF0-AA51-F5FCA0D95F5F}" dt="2022-08-13T01:11:09.767" v="4946" actId="21"/>
+          <ac:spMkLst>
+            <pc:docMk/>
+            <pc:sldMk cId="1322112991" sldId="410"/>
+            <ac:spMk id="5" creationId="{E1114D44-DDFA-4B51-A25B-F988CE09A3C1}"/>
+          </ac:spMkLst>
+        </pc:spChg>
+      </pc:sldChg>
+      <pc:sldChg chg="addSp delSp modSp mod ord modAnim">
+        <pc:chgData name="Navarro Ulloa, Luis Enrique" userId="adde1b74-f296-445a-8659-1214c6e2ca22" providerId="ADAL" clId="{B9F19E8F-F5F3-4BF0-AA51-F5FCA0D95F5F}" dt="2022-08-14T23:14:26.156" v="7412"/>
+        <pc:sldMkLst>
+          <pc:docMk/>
+          <pc:sldMk cId="3499264003" sldId="411"/>
+        </pc:sldMkLst>
+        <pc:spChg chg="add mod">
+          <ac:chgData name="Navarro Ulloa, Luis Enrique" userId="adde1b74-f296-445a-8659-1214c6e2ca22" providerId="ADAL" clId="{B9F19E8F-F5F3-4BF0-AA51-F5FCA0D95F5F}" dt="2022-08-13T01:13:21.781" v="4961" actId="12788"/>
+          <ac:spMkLst>
+            <pc:docMk/>
+            <pc:sldMk cId="3499264003" sldId="411"/>
+            <ac:spMk id="5" creationId="{FFBC71F0-B96C-93F4-CC1E-6F4270F8063E}"/>
+          </ac:spMkLst>
+        </pc:spChg>
+        <pc:spChg chg="add mod">
+          <ac:chgData name="Navarro Ulloa, Luis Enrique" userId="adde1b74-f296-445a-8659-1214c6e2ca22" providerId="ADAL" clId="{B9F19E8F-F5F3-4BF0-AA51-F5FCA0D95F5F}" dt="2022-08-12T23:33:13.342" v="6" actId="571"/>
+          <ac:spMkLst>
+            <pc:docMk/>
+            <pc:sldMk cId="3499264003" sldId="411"/>
+            <ac:spMk id="7" creationId="{41B86B84-F86E-870B-0B9D-5E3CE8B226C4}"/>
+          </ac:spMkLst>
+        </pc:spChg>
+        <pc:spChg chg="add del mod">
+          <ac:chgData name="Navarro Ulloa, Luis Enrique" userId="adde1b74-f296-445a-8659-1214c6e2ca22" providerId="ADAL" clId="{B9F19E8F-F5F3-4BF0-AA51-F5FCA0D95F5F}" dt="2022-08-12T23:38:57.889" v="433" actId="478"/>
+          <ac:spMkLst>
+            <pc:docMk/>
+            <pc:sldMk cId="3499264003" sldId="411"/>
+            <ac:spMk id="8" creationId="{44261F03-071F-DAAB-F293-021BC071ED67}"/>
+          </ac:spMkLst>
+        </pc:spChg>
+        <pc:spChg chg="add del mod">
+          <ac:chgData name="Navarro Ulloa, Luis Enrique" userId="adde1b74-f296-445a-8659-1214c6e2ca22" providerId="ADAL" clId="{B9F19E8F-F5F3-4BF0-AA51-F5FCA0D95F5F}" dt="2022-08-13T00:21:52.119" v="2371" actId="478"/>
+          <ac:spMkLst>
+            <pc:docMk/>
+            <pc:sldMk cId="3499264003" sldId="411"/>
+            <ac:spMk id="9" creationId="{71231649-7150-4D39-CC6B-101B1B51AE1E}"/>
+          </ac:spMkLst>
+        </pc:spChg>
+        <pc:spChg chg="mod">
+          <ac:chgData name="Navarro Ulloa, Luis Enrique" userId="adde1b74-f296-445a-8659-1214c6e2ca22" providerId="ADAL" clId="{B9F19E8F-F5F3-4BF0-AA51-F5FCA0D95F5F}" dt="2022-08-14T23:14:19.457" v="7410" actId="164"/>
+          <ac:spMkLst>
+            <pc:docMk/>
+            <pc:sldMk cId="3499264003" sldId="411"/>
+            <ac:spMk id="26" creationId="{3A5F4AA9-864C-D0DB-C61E-0FD1C74BB981}"/>
+          </ac:spMkLst>
+        </pc:spChg>
+        <pc:grpChg chg="mod">
+          <ac:chgData name="Navarro Ulloa, Luis Enrique" userId="adde1b74-f296-445a-8659-1214c6e2ca22" providerId="ADAL" clId="{B9F19E8F-F5F3-4BF0-AA51-F5FCA0D95F5F}" dt="2022-08-14T23:14:19.457" v="7410" actId="164"/>
+          <ac:grpSpMkLst>
+            <pc:docMk/>
+            <pc:sldMk cId="3499264003" sldId="411"/>
+            <ac:grpSpMk id="6" creationId="{F9F91873-170B-1937-FA0C-8AB67532B190}"/>
+          </ac:grpSpMkLst>
+        </pc:grpChg>
+        <pc:grpChg chg="add mod">
+          <ac:chgData name="Navarro Ulloa, Luis Enrique" userId="adde1b74-f296-445a-8659-1214c6e2ca22" providerId="ADAL" clId="{B9F19E8F-F5F3-4BF0-AA51-F5FCA0D95F5F}" dt="2022-08-14T23:14:19.457" v="7410" actId="164"/>
+          <ac:grpSpMkLst>
+            <pc:docMk/>
+            <pc:sldMk cId="3499264003" sldId="411"/>
+            <ac:grpSpMk id="7" creationId="{D8EE8535-248B-02E1-D5CB-53CAFBBB86F7}"/>
+          </ac:grpSpMkLst>
+        </pc:grpChg>
+      </pc:sldChg>
+      <pc:sldChg chg="del">
+        <pc:chgData name="Navarro Ulloa, Luis Enrique" userId="adde1b74-f296-445a-8659-1214c6e2ca22" providerId="ADAL" clId="{B9F19E8F-F5F3-4BF0-AA51-F5FCA0D95F5F}" dt="2022-08-13T01:05:41.950" v="4625" actId="47"/>
+        <pc:sldMkLst>
+          <pc:docMk/>
+          <pc:sldMk cId="3640188624" sldId="412"/>
+        </pc:sldMkLst>
+      </pc:sldChg>
+      <pc:sldChg chg="addSp delSp modSp add mod modAnim">
+        <pc:chgData name="Navarro Ulloa, Luis Enrique" userId="adde1b74-f296-445a-8659-1214c6e2ca22" providerId="ADAL" clId="{B9F19E8F-F5F3-4BF0-AA51-F5FCA0D95F5F}" dt="2022-08-14T23:17:36.510" v="7447" actId="207"/>
+        <pc:sldMkLst>
+          <pc:docMk/>
+          <pc:sldMk cId="405974292" sldId="413"/>
+        </pc:sldMkLst>
+        <pc:spChg chg="mod">
+          <ac:chgData name="Navarro Ulloa, Luis Enrique" userId="adde1b74-f296-445a-8659-1214c6e2ca22" providerId="ADAL" clId="{B9F19E8F-F5F3-4BF0-AA51-F5FCA0D95F5F}" dt="2022-08-13T01:13:54.627" v="4984" actId="20577"/>
+          <ac:spMkLst>
+            <pc:docMk/>
+            <pc:sldMk cId="405974292" sldId="413"/>
+            <ac:spMk id="4" creationId="{65C81510-B585-55D4-871F-4373515622B0}"/>
+          </ac:spMkLst>
+        </pc:spChg>
+        <pc:spChg chg="del">
+          <ac:chgData name="Navarro Ulloa, Luis Enrique" userId="adde1b74-f296-445a-8659-1214c6e2ca22" providerId="ADAL" clId="{B9F19E8F-F5F3-4BF0-AA51-F5FCA0D95F5F}" dt="2022-08-12T23:48:20.127" v="1373" actId="478"/>
+          <ac:spMkLst>
+            <pc:docMk/>
+            <pc:sldMk cId="405974292" sldId="413"/>
+            <ac:spMk id="5" creationId="{FFBC71F0-B96C-93F4-CC1E-6F4270F8063E}"/>
+          </ac:spMkLst>
+        </pc:spChg>
+        <pc:spChg chg="add mod">
+          <ac:chgData name="Navarro Ulloa, Luis Enrique" userId="adde1b74-f296-445a-8659-1214c6e2ca22" providerId="ADAL" clId="{B9F19E8F-F5F3-4BF0-AA51-F5FCA0D95F5F}" dt="2022-08-12T23:52:55.546" v="1501" actId="1076"/>
+          <ac:spMkLst>
+            <pc:docMk/>
+            <pc:sldMk cId="405974292" sldId="413"/>
+            <ac:spMk id="7" creationId="{F42E31E5-71CC-7A4B-0E5A-049C18B97326}"/>
+          </ac:spMkLst>
+        </pc:spChg>
+        <pc:spChg chg="del">
+          <ac:chgData name="Navarro Ulloa, Luis Enrique" userId="adde1b74-f296-445a-8659-1214c6e2ca22" providerId="ADAL" clId="{B9F19E8F-F5F3-4BF0-AA51-F5FCA0D95F5F}" dt="2022-08-12T23:48:20.127" v="1373" actId="478"/>
+          <ac:spMkLst>
+            <pc:docMk/>
+            <pc:sldMk cId="405974292" sldId="413"/>
+            <ac:spMk id="9" creationId="{71231649-7150-4D39-CC6B-101B1B51AE1E}"/>
+          </ac:spMkLst>
+        </pc:spChg>
+        <pc:spChg chg="add mod">
+          <ac:chgData name="Navarro Ulloa, Luis Enrique" userId="adde1b74-f296-445a-8659-1214c6e2ca22" providerId="ADAL" clId="{B9F19E8F-F5F3-4BF0-AA51-F5FCA0D95F5F}" dt="2022-08-14T23:17:28.861" v="7444" actId="207"/>
+          <ac:spMkLst>
+            <pc:docMk/>
+            <pc:sldMk cId="405974292" sldId="413"/>
+            <ac:spMk id="14" creationId="{D72DA071-021E-CFA5-6642-BECFBD595141}"/>
+          </ac:spMkLst>
+        </pc:spChg>
+        <pc:spChg chg="add mod">
+          <ac:chgData name="Navarro Ulloa, Luis Enrique" userId="adde1b74-f296-445a-8659-1214c6e2ca22" providerId="ADAL" clId="{B9F19E8F-F5F3-4BF0-AA51-F5FCA0D95F5F}" dt="2022-08-14T23:17:28.861" v="7444" actId="207"/>
+          <ac:spMkLst>
+            <pc:docMk/>
+            <pc:sldMk cId="405974292" sldId="413"/>
+            <ac:spMk id="15" creationId="{89846173-99E3-0278-EE18-CA602AC04B18}"/>
+          </ac:spMkLst>
+        </pc:spChg>
+        <pc:spChg chg="add mod">
+          <ac:chgData name="Navarro Ulloa, Luis Enrique" userId="adde1b74-f296-445a-8659-1214c6e2ca22" providerId="ADAL" clId="{B9F19E8F-F5F3-4BF0-AA51-F5FCA0D95F5F}" dt="2022-08-14T23:17:28.861" v="7444" actId="207"/>
+          <ac:spMkLst>
+            <pc:docMk/>
+            <pc:sldMk cId="405974292" sldId="413"/>
+            <ac:spMk id="16" creationId="{C5571600-56BB-74E9-60DA-E6FBB0E4F28A}"/>
+          </ac:spMkLst>
+        </pc:spChg>
+        <pc:spChg chg="mod">
+          <ac:chgData name="Navarro Ulloa, Luis Enrique" userId="adde1b74-f296-445a-8659-1214c6e2ca22" providerId="ADAL" clId="{B9F19E8F-F5F3-4BF0-AA51-F5FCA0D95F5F}" dt="2022-08-13T01:36:00.592" v="7185" actId="1076"/>
+          <ac:spMkLst>
+            <pc:docMk/>
+            <pc:sldMk cId="405974292" sldId="413"/>
+            <ac:spMk id="26" creationId="{3A5F4AA9-864C-D0DB-C61E-0FD1C74BB981}"/>
+          </ac:spMkLst>
+        </pc:spChg>
+        <pc:spChg chg="add del mod">
+          <ac:chgData name="Navarro Ulloa, Luis Enrique" userId="adde1b74-f296-445a-8659-1214c6e2ca22" providerId="ADAL" clId="{B9F19E8F-F5F3-4BF0-AA51-F5FCA0D95F5F}" dt="2022-08-12T23:53:21.187" v="1512" actId="478"/>
+          <ac:spMkLst>
+            <pc:docMk/>
+            <pc:sldMk cId="405974292" sldId="413"/>
+            <ac:spMk id="34" creationId="{31967AF5-905C-1FA2-7936-4955DA1AA529}"/>
+          </ac:spMkLst>
+        </pc:spChg>
+        <pc:spChg chg="add mod">
+          <ac:chgData name="Navarro Ulloa, Luis Enrique" userId="adde1b74-f296-445a-8659-1214c6e2ca22" providerId="ADAL" clId="{B9F19E8F-F5F3-4BF0-AA51-F5FCA0D95F5F}" dt="2022-08-14T23:16:48.631" v="7436" actId="164"/>
+          <ac:spMkLst>
+            <pc:docMk/>
+            <pc:sldMk cId="405974292" sldId="413"/>
+            <ac:spMk id="35" creationId="{F3AD5550-0A6B-8A9D-5C40-5DC4156B0A4D}"/>
+          </ac:spMkLst>
+        </pc:spChg>
+        <pc:spChg chg="add mod">
+          <ac:chgData name="Navarro Ulloa, Luis Enrique" userId="adde1b74-f296-445a-8659-1214c6e2ca22" providerId="ADAL" clId="{B9F19E8F-F5F3-4BF0-AA51-F5FCA0D95F5F}" dt="2022-08-13T00:47:26.608" v="3417" actId="1076"/>
+          <ac:spMkLst>
+            <pc:docMk/>
+            <pc:sldMk cId="405974292" sldId="413"/>
+            <ac:spMk id="39" creationId="{76C99945-4F1C-09BF-B640-E1BA4BE8330C}"/>
+          </ac:spMkLst>
+        </pc:spChg>
+        <pc:grpChg chg="add mod">
+          <ac:chgData name="Navarro Ulloa, Luis Enrique" userId="adde1b74-f296-445a-8659-1214c6e2ca22" providerId="ADAL" clId="{B9F19E8F-F5F3-4BF0-AA51-F5FCA0D95F5F}" dt="2022-08-14T23:17:28.861" v="7444" actId="207"/>
+          <ac:grpSpMkLst>
+            <pc:docMk/>
+            <pc:sldMk cId="405974292" sldId="413"/>
+            <ac:grpSpMk id="5" creationId="{CAB5D4A4-9376-9C6C-BCAB-CE57C0AF17CE}"/>
+          </ac:grpSpMkLst>
+        </pc:grpChg>
+        <pc:grpChg chg="add mod">
+          <ac:chgData name="Navarro Ulloa, Luis Enrique" userId="adde1b74-f296-445a-8659-1214c6e2ca22" providerId="ADAL" clId="{B9F19E8F-F5F3-4BF0-AA51-F5FCA0D95F5F}" dt="2022-08-14T23:17:28.861" v="7444" actId="207"/>
+          <ac:grpSpMkLst>
+            <pc:docMk/>
+            <pc:sldMk cId="405974292" sldId="413"/>
+            <ac:grpSpMk id="8" creationId="{CDD16C8A-FC8F-BBA4-0EFB-CB6BFDBE28E5}"/>
+          </ac:grpSpMkLst>
+        </pc:grpChg>
+        <pc:grpChg chg="add mod">
+          <ac:chgData name="Navarro Ulloa, Luis Enrique" userId="adde1b74-f296-445a-8659-1214c6e2ca22" providerId="ADAL" clId="{B9F19E8F-F5F3-4BF0-AA51-F5FCA0D95F5F}" dt="2022-08-14T23:17:28.861" v="7444" actId="207"/>
+          <ac:grpSpMkLst>
+            <pc:docMk/>
+            <pc:sldMk cId="405974292" sldId="413"/>
+            <ac:grpSpMk id="9" creationId="{DAF9C7C5-DFED-5795-520D-E649F71F388D}"/>
+          </ac:grpSpMkLst>
+        </pc:grpChg>
+        <pc:grpChg chg="add mod">
+          <ac:chgData name="Navarro Ulloa, Luis Enrique" userId="adde1b74-f296-445a-8659-1214c6e2ca22" providerId="ADAL" clId="{B9F19E8F-F5F3-4BF0-AA51-F5FCA0D95F5F}" dt="2022-08-14T23:16:48.631" v="7436" actId="164"/>
+          <ac:grpSpMkLst>
+            <pc:docMk/>
+            <pc:sldMk cId="405974292" sldId="413"/>
+            <ac:grpSpMk id="11" creationId="{6B155699-6087-799F-9E5D-691628AB6389}"/>
+          </ac:grpSpMkLst>
+        </pc:grpChg>
+        <pc:picChg chg="add mod">
+          <ac:chgData name="Navarro Ulloa, Luis Enrique" userId="adde1b74-f296-445a-8659-1214c6e2ca22" providerId="ADAL" clId="{B9F19E8F-F5F3-4BF0-AA51-F5FCA0D95F5F}" dt="2022-08-14T23:17:34.249" v="7446" actId="207"/>
+          <ac:picMkLst>
+            <pc:docMk/>
+            <pc:sldMk cId="405974292" sldId="413"/>
+            <ac:picMk id="10" creationId="{2F5E6DAA-ED57-5C6B-A01F-C4D283D96AB3}"/>
+          </ac:picMkLst>
+        </pc:picChg>
+        <pc:picChg chg="add mod">
+          <ac:chgData name="Navarro Ulloa, Luis Enrique" userId="adde1b74-f296-445a-8659-1214c6e2ca22" providerId="ADAL" clId="{B9F19E8F-F5F3-4BF0-AA51-F5FCA0D95F5F}" dt="2022-08-14T23:17:32.048" v="7445" actId="207"/>
+          <ac:picMkLst>
+            <pc:docMk/>
+            <pc:sldMk cId="405974292" sldId="413"/>
+            <ac:picMk id="12" creationId="{1B8B22F3-4EF3-860D-335D-93246AEA538A}"/>
+          </ac:picMkLst>
+        </pc:picChg>
+        <pc:picChg chg="add del mod">
+          <ac:chgData name="Navarro Ulloa, Luis Enrique" userId="adde1b74-f296-445a-8659-1214c6e2ca22" providerId="ADAL" clId="{B9F19E8F-F5F3-4BF0-AA51-F5FCA0D95F5F}" dt="2022-08-13T00:32:51.388" v="3026" actId="478"/>
+          <ac:picMkLst>
+            <pc:docMk/>
+            <pc:sldMk cId="405974292" sldId="413"/>
+            <ac:picMk id="33" creationId="{88B5EE90-64F5-07F9-98B4-C1538CB2F49B}"/>
+          </ac:picMkLst>
+        </pc:picChg>
+        <pc:picChg chg="add mod modCrop">
+          <ac:chgData name="Navarro Ulloa, Luis Enrique" userId="adde1b74-f296-445a-8659-1214c6e2ca22" providerId="ADAL" clId="{B9F19E8F-F5F3-4BF0-AA51-F5FCA0D95F5F}" dt="2022-08-14T23:17:36.510" v="7447" actId="207"/>
+          <ac:picMkLst>
+            <pc:docMk/>
+            <pc:sldMk cId="405974292" sldId="413"/>
+            <ac:picMk id="37" creationId="{BCC915FE-8E23-A60C-57AB-5F4FF2E6BDC5}"/>
+          </ac:picMkLst>
+        </pc:picChg>
+        <pc:cxnChg chg="add del mod">
+          <ac:chgData name="Navarro Ulloa, Luis Enrique" userId="adde1b74-f296-445a-8659-1214c6e2ca22" providerId="ADAL" clId="{B9F19E8F-F5F3-4BF0-AA51-F5FCA0D95F5F}" dt="2022-08-12T23:52:05.687" v="1485" actId="478"/>
+          <ac:cxnSpMkLst>
+            <pc:docMk/>
+            <pc:sldMk cId="405974292" sldId="413"/>
+            <ac:cxnSpMk id="18" creationId="{F9134889-6CEC-E97D-D417-8B76F9CAFFE9}"/>
+          </ac:cxnSpMkLst>
+        </pc:cxnChg>
+        <pc:cxnChg chg="add mod">
+          <ac:chgData name="Navarro Ulloa, Luis Enrique" userId="adde1b74-f296-445a-8659-1214c6e2ca22" providerId="ADAL" clId="{B9F19E8F-F5F3-4BF0-AA51-F5FCA0D95F5F}" dt="2022-08-14T23:16:48.631" v="7436" actId="164"/>
+          <ac:cxnSpMkLst>
+            <pc:docMk/>
+            <pc:sldMk cId="405974292" sldId="413"/>
+            <ac:cxnSpMk id="22" creationId="{344339EB-0786-4EB3-DE24-2273EB88E50C}"/>
+          </ac:cxnSpMkLst>
+        </pc:cxnChg>
+        <pc:cxnChg chg="add mod">
+          <ac:chgData name="Navarro Ulloa, Luis Enrique" userId="adde1b74-f296-445a-8659-1214c6e2ca22" providerId="ADAL" clId="{B9F19E8F-F5F3-4BF0-AA51-F5FCA0D95F5F}" dt="2022-08-14T23:16:48.631" v="7436" actId="164"/>
+          <ac:cxnSpMkLst>
+            <pc:docMk/>
+            <pc:sldMk cId="405974292" sldId="413"/>
+            <ac:cxnSpMk id="23" creationId="{A6542B87-0927-286F-8234-6CD1288DC650}"/>
+          </ac:cxnSpMkLst>
+        </pc:cxnChg>
+        <pc:cxnChg chg="add mod">
+          <ac:chgData name="Navarro Ulloa, Luis Enrique" userId="adde1b74-f296-445a-8659-1214c6e2ca22" providerId="ADAL" clId="{B9F19E8F-F5F3-4BF0-AA51-F5FCA0D95F5F}" dt="2022-08-14T23:16:48.631" v="7436" actId="164"/>
+          <ac:cxnSpMkLst>
+            <pc:docMk/>
+            <pc:sldMk cId="405974292" sldId="413"/>
+            <ac:cxnSpMk id="25" creationId="{D1EA2F55-FFE5-01D5-D5BF-32C1B8A64C4E}"/>
+          </ac:cxnSpMkLst>
+        </pc:cxnChg>
+        <pc:cxnChg chg="add mod">
+          <ac:chgData name="Navarro Ulloa, Luis Enrique" userId="adde1b74-f296-445a-8659-1214c6e2ca22" providerId="ADAL" clId="{B9F19E8F-F5F3-4BF0-AA51-F5FCA0D95F5F}" dt="2022-08-13T00:47:23.169" v="3416" actId="14100"/>
+          <ac:cxnSpMkLst>
+            <pc:docMk/>
+            <pc:sldMk cId="405974292" sldId="413"/>
+            <ac:cxnSpMk id="40" creationId="{DA9F0809-9B94-2DEC-760B-E90077C13E4D}"/>
+          </ac:cxnSpMkLst>
+        </pc:cxnChg>
+      </pc:sldChg>
+      <pc:sldChg chg="addSp delSp modSp add mod modAnim">
+        <pc:chgData name="Navarro Ulloa, Luis Enrique" userId="adde1b74-f296-445a-8659-1214c6e2ca22" providerId="ADAL" clId="{B9F19E8F-F5F3-4BF0-AA51-F5FCA0D95F5F}" dt="2022-08-14T23:17:59.361" v="7453"/>
+        <pc:sldMkLst>
+          <pc:docMk/>
+          <pc:sldMk cId="4142069382" sldId="414"/>
+        </pc:sldMkLst>
+        <pc:spChg chg="mod">
+          <ac:chgData name="Navarro Ulloa, Luis Enrique" userId="adde1b74-f296-445a-8659-1214c6e2ca22" providerId="ADAL" clId="{B9F19E8F-F5F3-4BF0-AA51-F5FCA0D95F5F}" dt="2022-08-13T01:02:12.611" v="4133" actId="20577"/>
+          <ac:spMkLst>
+            <pc:docMk/>
+            <pc:sldMk cId="4142069382" sldId="414"/>
+            <ac:spMk id="4" creationId="{65C81510-B585-55D4-871F-4373515622B0}"/>
+          </ac:spMkLst>
+        </pc:spChg>
+        <pc:spChg chg="add del mod">
+          <ac:chgData name="Navarro Ulloa, Luis Enrique" userId="adde1b74-f296-445a-8659-1214c6e2ca22" providerId="ADAL" clId="{B9F19E8F-F5F3-4BF0-AA51-F5FCA0D95F5F}" dt="2022-08-13T00:56:58.724" v="3751" actId="478"/>
+          <ac:spMkLst>
+            <pc:docMk/>
+            <pc:sldMk cId="4142069382" sldId="414"/>
+            <ac:spMk id="5" creationId="{34D20F73-C70E-4904-46F8-A901D65765F6}"/>
+          </ac:spMkLst>
+        </pc:spChg>
+        <pc:spChg chg="del">
+          <ac:chgData name="Navarro Ulloa, Luis Enrique" userId="adde1b74-f296-445a-8659-1214c6e2ca22" providerId="ADAL" clId="{B9F19E8F-F5F3-4BF0-AA51-F5FCA0D95F5F}" dt="2022-08-13T00:04:01.681" v="1764" actId="478"/>
+          <ac:spMkLst>
+            <pc:docMk/>
+            <pc:sldMk cId="4142069382" sldId="414"/>
+            <ac:spMk id="7" creationId="{F42E31E5-71CC-7A4B-0E5A-049C18B97326}"/>
+          </ac:spMkLst>
+        </pc:spChg>
+        <pc:spChg chg="add mod">
+          <ac:chgData name="Navarro Ulloa, Luis Enrique" userId="adde1b74-f296-445a-8659-1214c6e2ca22" providerId="ADAL" clId="{B9F19E8F-F5F3-4BF0-AA51-F5FCA0D95F5F}" dt="2022-08-13T01:03:02.002" v="4276" actId="14100"/>
+          <ac:spMkLst>
+            <pc:docMk/>
+            <pc:sldMk cId="4142069382" sldId="414"/>
+            <ac:spMk id="8" creationId="{CC061F70-9740-5B33-84D6-E952EA6F7F64}"/>
+          </ac:spMkLst>
+        </pc:spChg>
+        <pc:spChg chg="add del mod">
+          <ac:chgData name="Navarro Ulloa, Luis Enrique" userId="adde1b74-f296-445a-8659-1214c6e2ca22" providerId="ADAL" clId="{B9F19E8F-F5F3-4BF0-AA51-F5FCA0D95F5F}" dt="2022-08-13T01:03:21.435" v="4287" actId="478"/>
+          <ac:spMkLst>
+            <pc:docMk/>
+            <pc:sldMk cId="4142069382" sldId="414"/>
+            <ac:spMk id="9" creationId="{5A42591F-3676-751F-2429-C36BDEBA8E69}"/>
+          </ac:spMkLst>
+        </pc:spChg>
+        <pc:spChg chg="add mod">
+          <ac:chgData name="Navarro Ulloa, Luis Enrique" userId="adde1b74-f296-445a-8659-1214c6e2ca22" providerId="ADAL" clId="{B9F19E8F-F5F3-4BF0-AA51-F5FCA0D95F5F}" dt="2022-08-13T01:11:03.664" v="4945" actId="1076"/>
+          <ac:spMkLst>
+            <pc:docMk/>
+            <pc:sldMk cId="4142069382" sldId="414"/>
+            <ac:spMk id="13" creationId="{676D2770-BEC3-1284-6915-44AB1CC9D76C}"/>
+          </ac:spMkLst>
+        </pc:spChg>
+        <pc:spChg chg="del">
+          <ac:chgData name="Navarro Ulloa, Luis Enrique" userId="adde1b74-f296-445a-8659-1214c6e2ca22" providerId="ADAL" clId="{B9F19E8F-F5F3-4BF0-AA51-F5FCA0D95F5F}" dt="2022-08-13T00:04:01.681" v="1764" actId="478"/>
+          <ac:spMkLst>
+            <pc:docMk/>
+            <pc:sldMk cId="4142069382" sldId="414"/>
+            <ac:spMk id="14" creationId="{D72DA071-021E-CFA5-6642-BECFBD595141}"/>
+          </ac:spMkLst>
+        </pc:spChg>
+        <pc:spChg chg="del">
+          <ac:chgData name="Navarro Ulloa, Luis Enrique" userId="adde1b74-f296-445a-8659-1214c6e2ca22" providerId="ADAL" clId="{B9F19E8F-F5F3-4BF0-AA51-F5FCA0D95F5F}" dt="2022-08-13T00:04:01.681" v="1764" actId="478"/>
+          <ac:spMkLst>
+            <pc:docMk/>
+            <pc:sldMk cId="4142069382" sldId="414"/>
+            <ac:spMk id="15" creationId="{89846173-99E3-0278-EE18-CA602AC04B18}"/>
+          </ac:spMkLst>
+        </pc:spChg>
+        <pc:spChg chg="del">
+          <ac:chgData name="Navarro Ulloa, Luis Enrique" userId="adde1b74-f296-445a-8659-1214c6e2ca22" providerId="ADAL" clId="{B9F19E8F-F5F3-4BF0-AA51-F5FCA0D95F5F}" dt="2022-08-13T00:04:01.681" v="1764" actId="478"/>
+          <ac:spMkLst>
+            <pc:docMk/>
+            <pc:sldMk cId="4142069382" sldId="414"/>
+            <ac:spMk id="16" creationId="{C5571600-56BB-74E9-60DA-E6FBB0E4F28A}"/>
+          </ac:spMkLst>
+        </pc:spChg>
+        <pc:spChg chg="add mod">
+          <ac:chgData name="Navarro Ulloa, Luis Enrique" userId="adde1b74-f296-445a-8659-1214c6e2ca22" providerId="ADAL" clId="{B9F19E8F-F5F3-4BF0-AA51-F5FCA0D95F5F}" dt="2022-08-13T01:11:26.674" v="4953" actId="1076"/>
+          <ac:spMkLst>
+            <pc:docMk/>
+            <pc:sldMk cId="4142069382" sldId="414"/>
+            <ac:spMk id="18" creationId="{B17A888F-F254-3487-4D78-8B258EBF8FD2}"/>
+          </ac:spMkLst>
+        </pc:spChg>
+        <pc:spChg chg="del">
+          <ac:chgData name="Navarro Ulloa, Luis Enrique" userId="adde1b74-f296-445a-8659-1214c6e2ca22" providerId="ADAL" clId="{B9F19E8F-F5F3-4BF0-AA51-F5FCA0D95F5F}" dt="2022-08-13T00:04:01.681" v="1764" actId="478"/>
+          <ac:spMkLst>
+            <pc:docMk/>
+            <pc:sldMk cId="4142069382" sldId="414"/>
+            <ac:spMk id="26" creationId="{3A5F4AA9-864C-D0DB-C61E-0FD1C74BB981}"/>
+          </ac:spMkLst>
+        </pc:spChg>
+        <pc:spChg chg="del">
+          <ac:chgData name="Navarro Ulloa, Luis Enrique" userId="adde1b74-f296-445a-8659-1214c6e2ca22" providerId="ADAL" clId="{B9F19E8F-F5F3-4BF0-AA51-F5FCA0D95F5F}" dt="2022-08-13T00:04:01.681" v="1764" actId="478"/>
+          <ac:spMkLst>
+            <pc:docMk/>
+            <pc:sldMk cId="4142069382" sldId="414"/>
+            <ac:spMk id="35" creationId="{F3AD5550-0A6B-8A9D-5C40-5DC4156B0A4D}"/>
+          </ac:spMkLst>
+        </pc:spChg>
+        <pc:grpChg chg="del">
+          <ac:chgData name="Navarro Ulloa, Luis Enrique" userId="adde1b74-f296-445a-8659-1214c6e2ca22" providerId="ADAL" clId="{B9F19E8F-F5F3-4BF0-AA51-F5FCA0D95F5F}" dt="2022-08-13T00:04:01.681" v="1764" actId="478"/>
+          <ac:grpSpMkLst>
+            <pc:docMk/>
+            <pc:sldMk cId="4142069382" sldId="414"/>
+            <ac:grpSpMk id="6" creationId="{F9F91873-170B-1937-FA0C-8AB67532B190}"/>
+          </ac:grpSpMkLst>
+        </pc:grpChg>
+        <pc:picChg chg="del">
+          <ac:chgData name="Navarro Ulloa, Luis Enrique" userId="adde1b74-f296-445a-8659-1214c6e2ca22" providerId="ADAL" clId="{B9F19E8F-F5F3-4BF0-AA51-F5FCA0D95F5F}" dt="2022-08-13T00:04:01.681" v="1764" actId="478"/>
+          <ac:picMkLst>
+            <pc:docMk/>
+            <pc:sldMk cId="4142069382" sldId="414"/>
+            <ac:picMk id="10" creationId="{2F5E6DAA-ED57-5C6B-A01F-C4D283D96AB3}"/>
+          </ac:picMkLst>
+        </pc:picChg>
+        <pc:picChg chg="add mod">
+          <ac:chgData name="Navarro Ulloa, Luis Enrique" userId="adde1b74-f296-445a-8659-1214c6e2ca22" providerId="ADAL" clId="{B9F19E8F-F5F3-4BF0-AA51-F5FCA0D95F5F}" dt="2022-08-14T23:17:40.215" v="7448" actId="207"/>
+          <ac:picMkLst>
+            <pc:docMk/>
+            <pc:sldMk cId="4142069382" sldId="414"/>
+            <ac:picMk id="11" creationId="{A9011E4F-112F-FC15-6F88-0B686666CBD7}"/>
+          </ac:picMkLst>
+        </pc:picChg>
+        <pc:picChg chg="del">
+          <ac:chgData name="Navarro Ulloa, Luis Enrique" userId="adde1b74-f296-445a-8659-1214c6e2ca22" providerId="ADAL" clId="{B9F19E8F-F5F3-4BF0-AA51-F5FCA0D95F5F}" dt="2022-08-13T00:04:01.681" v="1764" actId="478"/>
+          <ac:picMkLst>
+            <pc:docMk/>
+            <pc:sldMk cId="4142069382" sldId="414"/>
+            <ac:picMk id="12" creationId="{1B8B22F3-4EF3-860D-335D-93246AEA538A}"/>
+          </ac:picMkLst>
+        </pc:picChg>
+        <pc:picChg chg="del">
+          <ac:chgData name="Navarro Ulloa, Luis Enrique" userId="adde1b74-f296-445a-8659-1214c6e2ca22" providerId="ADAL" clId="{B9F19E8F-F5F3-4BF0-AA51-F5FCA0D95F5F}" dt="2022-08-13T00:04:01.681" v="1764" actId="478"/>
+          <ac:picMkLst>
+            <pc:docMk/>
+            <pc:sldMk cId="4142069382" sldId="414"/>
+            <ac:picMk id="33" creationId="{88B5EE90-64F5-07F9-98B4-C1538CB2F49B}"/>
+          </ac:picMkLst>
+        </pc:picChg>
+        <pc:cxnChg chg="del">
+          <ac:chgData name="Navarro Ulloa, Luis Enrique" userId="adde1b74-f296-445a-8659-1214c6e2ca22" providerId="ADAL" clId="{B9F19E8F-F5F3-4BF0-AA51-F5FCA0D95F5F}" dt="2022-08-13T00:04:01.681" v="1764" actId="478"/>
+          <ac:cxnSpMkLst>
+            <pc:docMk/>
+            <pc:sldMk cId="4142069382" sldId="414"/>
+            <ac:cxnSpMk id="22" creationId="{344339EB-0786-4EB3-DE24-2273EB88E50C}"/>
+          </ac:cxnSpMkLst>
+        </pc:cxnChg>
+        <pc:cxnChg chg="del">
+          <ac:chgData name="Navarro Ulloa, Luis Enrique" userId="adde1b74-f296-445a-8659-1214c6e2ca22" providerId="ADAL" clId="{B9F19E8F-F5F3-4BF0-AA51-F5FCA0D95F5F}" dt="2022-08-13T00:04:01.681" v="1764" actId="478"/>
+          <ac:cxnSpMkLst>
+            <pc:docMk/>
+            <pc:sldMk cId="4142069382" sldId="414"/>
+            <ac:cxnSpMk id="23" creationId="{A6542B87-0927-286F-8234-6CD1288DC650}"/>
+          </ac:cxnSpMkLst>
+        </pc:cxnChg>
+        <pc:cxnChg chg="del">
+          <ac:chgData name="Navarro Ulloa, Luis Enrique" userId="adde1b74-f296-445a-8659-1214c6e2ca22" providerId="ADAL" clId="{B9F19E8F-F5F3-4BF0-AA51-F5FCA0D95F5F}" dt="2022-08-13T00:04:01.681" v="1764" actId="478"/>
+          <ac:cxnSpMkLst>
+            <pc:docMk/>
+            <pc:sldMk cId="4142069382" sldId="414"/>
+            <ac:cxnSpMk id="25" creationId="{D1EA2F55-FFE5-01D5-D5BF-32C1B8A64C4E}"/>
+          </ac:cxnSpMkLst>
+        </pc:cxnChg>
+      </pc:sldChg>
+      <pc:sldChg chg="modSp add del mod">
+        <pc:chgData name="Navarro Ulloa, Luis Enrique" userId="adde1b74-f296-445a-8659-1214c6e2ca22" providerId="ADAL" clId="{B9F19E8F-F5F3-4BF0-AA51-F5FCA0D95F5F}" dt="2022-08-13T00:02:03.022" v="1738" actId="47"/>
+        <pc:sldMkLst>
+          <pc:docMk/>
+          <pc:sldMk cId="4215169174" sldId="414"/>
+        </pc:sldMkLst>
+        <pc:spChg chg="mod">
+          <ac:chgData name="Navarro Ulloa, Luis Enrique" userId="adde1b74-f296-445a-8659-1214c6e2ca22" providerId="ADAL" clId="{B9F19E8F-F5F3-4BF0-AA51-F5FCA0D95F5F}" dt="2022-08-12T23:56:58.837" v="1737" actId="20577"/>
+          <ac:spMkLst>
+            <pc:docMk/>
+            <pc:sldMk cId="4215169174" sldId="414"/>
+            <ac:spMk id="26" creationId="{3A5F4AA9-864C-D0DB-C61E-0FD1C74BB981}"/>
+          </ac:spMkLst>
+        </pc:spChg>
+      </pc:sldChg>
+      <pc:sldChg chg="modSp add mod modAnim">
+        <pc:chgData name="Navarro Ulloa, Luis Enrique" userId="adde1b74-f296-445a-8659-1214c6e2ca22" providerId="ADAL" clId="{B9F19E8F-F5F3-4BF0-AA51-F5FCA0D95F5F}" dt="2022-08-14T23:15:12.214" v="7420"/>
+        <pc:sldMkLst>
+          <pc:docMk/>
+          <pc:sldMk cId="383206975" sldId="415"/>
+        </pc:sldMkLst>
+        <pc:spChg chg="mod">
+          <ac:chgData name="Navarro Ulloa, Luis Enrique" userId="adde1b74-f296-445a-8659-1214c6e2ca22" providerId="ADAL" clId="{B9F19E8F-F5F3-4BF0-AA51-F5FCA0D95F5F}" dt="2022-08-13T00:17:05.657" v="2342" actId="1076"/>
+          <ac:spMkLst>
+            <pc:docMk/>
+            <pc:sldMk cId="383206975" sldId="415"/>
+            <ac:spMk id="2" creationId="{349D409F-D413-3C73-2E92-8AA4FBEE60E0}"/>
+          </ac:spMkLst>
+        </pc:spChg>
+        <pc:spChg chg="mod">
+          <ac:chgData name="Navarro Ulloa, Luis Enrique" userId="adde1b74-f296-445a-8659-1214c6e2ca22" providerId="ADAL" clId="{B9F19E8F-F5F3-4BF0-AA51-F5FCA0D95F5F}" dt="2022-08-13T00:43:42.991" v="3231" actId="6549"/>
+          <ac:spMkLst>
+            <pc:docMk/>
+            <pc:sldMk cId="383206975" sldId="415"/>
+            <ac:spMk id="4" creationId="{65C81510-B585-55D4-871F-4373515622B0}"/>
+          </ac:spMkLst>
+        </pc:spChg>
+        <pc:spChg chg="mod">
+          <ac:chgData name="Navarro Ulloa, Luis Enrique" userId="adde1b74-f296-445a-8659-1214c6e2ca22" providerId="ADAL" clId="{B9F19E8F-F5F3-4BF0-AA51-F5FCA0D95F5F}" dt="2022-08-13T01:36:21.035" v="7188" actId="255"/>
+          <ac:spMkLst>
+            <pc:docMk/>
+            <pc:sldMk cId="383206975" sldId="415"/>
+            <ac:spMk id="5" creationId="{E1114D44-DDFA-4B51-A25B-F988CE09A3C1}"/>
+          </ac:spMkLst>
+        </pc:spChg>
+        <pc:spChg chg="mod">
+          <ac:chgData name="Navarro Ulloa, Luis Enrique" userId="adde1b74-f296-445a-8659-1214c6e2ca22" providerId="ADAL" clId="{B9F19E8F-F5F3-4BF0-AA51-F5FCA0D95F5F}" dt="2022-08-13T00:39:28.313" v="3226" actId="1076"/>
+          <ac:spMkLst>
+            <pc:docMk/>
+            <pc:sldMk cId="383206975" sldId="415"/>
+            <ac:spMk id="6" creationId="{5B317DE9-9E50-4445-1D67-7CC8B6FF293B}"/>
+          </ac:spMkLst>
+        </pc:spChg>
+      </pc:sldChg>
+      <pc:sldChg chg="addSp delSp modSp add mod modAnim">
+        <pc:chgData name="Navarro Ulloa, Luis Enrique" userId="adde1b74-f296-445a-8659-1214c6e2ca22" providerId="ADAL" clId="{B9F19E8F-F5F3-4BF0-AA51-F5FCA0D95F5F}" dt="2022-08-14T23:19:40.935" v="7461" actId="1076"/>
+        <pc:sldMkLst>
+          <pc:docMk/>
+          <pc:sldMk cId="1621760365" sldId="416"/>
+        </pc:sldMkLst>
+        <pc:spChg chg="del">
+          <ac:chgData name="Navarro Ulloa, Luis Enrique" userId="adde1b74-f296-445a-8659-1214c6e2ca22" providerId="ADAL" clId="{B9F19E8F-F5F3-4BF0-AA51-F5FCA0D95F5F}" dt="2022-08-13T00:17:09.459" v="2343" actId="478"/>
+          <ac:spMkLst>
+            <pc:docMk/>
+            <pc:sldMk cId="1621760365" sldId="416"/>
+            <ac:spMk id="2" creationId="{349D409F-D413-3C73-2E92-8AA4FBEE60E0}"/>
+          </ac:spMkLst>
+        </pc:spChg>
+        <pc:spChg chg="add mod">
+          <ac:chgData name="Navarro Ulloa, Luis Enrique" userId="adde1b74-f296-445a-8659-1214c6e2ca22" providerId="ADAL" clId="{B9F19E8F-F5F3-4BF0-AA51-F5FCA0D95F5F}" dt="2022-08-14T23:19:40.935" v="7461" actId="1076"/>
+          <ac:spMkLst>
+            <pc:docMk/>
+            <pc:sldMk cId="1621760365" sldId="416"/>
+            <ac:spMk id="3" creationId="{2C2A89DF-3532-6B4A-B6B0-8EB2F37C92D5}"/>
+          </ac:spMkLst>
+        </pc:spChg>
+        <pc:spChg chg="mod">
+          <ac:chgData name="Navarro Ulloa, Luis Enrique" userId="adde1b74-f296-445a-8659-1214c6e2ca22" providerId="ADAL" clId="{B9F19E8F-F5F3-4BF0-AA51-F5FCA0D95F5F}" dt="2022-08-13T00:43:45.011" v="3232" actId="6549"/>
+          <ac:spMkLst>
+            <pc:docMk/>
+            <pc:sldMk cId="1621760365" sldId="416"/>
+            <ac:spMk id="4" creationId="{65C81510-B585-55D4-871F-4373515622B0}"/>
+          </ac:spMkLst>
+        </pc:spChg>
+        <pc:spChg chg="del">
+          <ac:chgData name="Navarro Ulloa, Luis Enrique" userId="adde1b74-f296-445a-8659-1214c6e2ca22" providerId="ADAL" clId="{B9F19E8F-F5F3-4BF0-AA51-F5FCA0D95F5F}" dt="2022-08-13T00:16:52.786" v="2338" actId="478"/>
+          <ac:spMkLst>
+            <pc:docMk/>
+            <pc:sldMk cId="1621760365" sldId="416"/>
+            <ac:spMk id="5" creationId="{E1114D44-DDFA-4B51-A25B-F988CE09A3C1}"/>
+          </ac:spMkLst>
+        </pc:spChg>
+        <pc:spChg chg="del">
+          <ac:chgData name="Navarro Ulloa, Luis Enrique" userId="adde1b74-f296-445a-8659-1214c6e2ca22" providerId="ADAL" clId="{B9F19E8F-F5F3-4BF0-AA51-F5FCA0D95F5F}" dt="2022-08-13T00:17:11.697" v="2344" actId="478"/>
+          <ac:spMkLst>
+            <pc:docMk/>
+            <pc:sldMk cId="1621760365" sldId="416"/>
+            <ac:spMk id="6" creationId="{5B317DE9-9E50-4445-1D67-7CC8B6FF293B}"/>
+          </ac:spMkLst>
+        </pc:spChg>
+        <pc:spChg chg="add del mod">
+          <ac:chgData name="Navarro Ulloa, Luis Enrique" userId="adde1b74-f296-445a-8659-1214c6e2ca22" providerId="ADAL" clId="{B9F19E8F-F5F3-4BF0-AA51-F5FCA0D95F5F}" dt="2022-08-13T00:16:55.626" v="2339" actId="478"/>
+          <ac:spMkLst>
+            <pc:docMk/>
+            <pc:sldMk cId="1621760365" sldId="416"/>
+            <ac:spMk id="7" creationId="{A553CEE2-9B79-3AAE-B8F4-77D21C79AB34}"/>
+          </ac:spMkLst>
+        </pc:spChg>
+        <pc:spChg chg="add mod">
+          <ac:chgData name="Navarro Ulloa, Luis Enrique" userId="adde1b74-f296-445a-8659-1214c6e2ca22" providerId="ADAL" clId="{B9F19E8F-F5F3-4BF0-AA51-F5FCA0D95F5F}" dt="2022-08-13T00:35:42.688" v="3041" actId="14100"/>
+          <ac:spMkLst>
+            <pc:docMk/>
+            <pc:sldMk cId="1621760365" sldId="416"/>
+            <ac:spMk id="9" creationId="{087E3FDD-E0B8-97DA-BDE4-BFDF916B714E}"/>
+          </ac:spMkLst>
+        </pc:spChg>
+        <pc:spChg chg="add del mod">
+          <ac:chgData name="Navarro Ulloa, Luis Enrique" userId="adde1b74-f296-445a-8659-1214c6e2ca22" providerId="ADAL" clId="{B9F19E8F-F5F3-4BF0-AA51-F5FCA0D95F5F}" dt="2022-08-13T00:38:17.327" v="3219" actId="478"/>
+          <ac:spMkLst>
+            <pc:docMk/>
+            <pc:sldMk cId="1621760365" sldId="416"/>
+            <ac:spMk id="21" creationId="{D87212D2-C855-C0C6-A497-B0E7CA73C847}"/>
+          </ac:spMkLst>
+        </pc:spChg>
+        <pc:spChg chg="add mod">
+          <ac:chgData name="Navarro Ulloa, Luis Enrique" userId="adde1b74-f296-445a-8659-1214c6e2ca22" providerId="ADAL" clId="{B9F19E8F-F5F3-4BF0-AA51-F5FCA0D95F5F}" dt="2022-08-14T23:17:12.671" v="7440" actId="207"/>
+          <ac:spMkLst>
+            <pc:docMk/>
+            <pc:sldMk cId="1621760365" sldId="416"/>
+            <ac:spMk id="23" creationId="{977C44A5-7497-4C7C-3886-3B5A7212FA46}"/>
+          </ac:spMkLst>
+        </pc:spChg>
+        <pc:spChg chg="add mod">
+          <ac:chgData name="Navarro Ulloa, Luis Enrique" userId="adde1b74-f296-445a-8659-1214c6e2ca22" providerId="ADAL" clId="{B9F19E8F-F5F3-4BF0-AA51-F5FCA0D95F5F}" dt="2022-08-14T23:17:16.920" v="7441" actId="207"/>
+          <ac:spMkLst>
+            <pc:docMk/>
+            <pc:sldMk cId="1621760365" sldId="416"/>
+            <ac:spMk id="24" creationId="{003EF779-7840-5BEA-7036-5735C3B0A746}"/>
+          </ac:spMkLst>
+        </pc:spChg>
+        <pc:spChg chg="add del mod">
+          <ac:chgData name="Navarro Ulloa, Luis Enrique" userId="adde1b74-f296-445a-8659-1214c6e2ca22" providerId="ADAL" clId="{B9F19E8F-F5F3-4BF0-AA51-F5FCA0D95F5F}" dt="2022-08-14T23:19:33.863" v="7459" actId="478"/>
+          <ac:spMkLst>
+            <pc:docMk/>
+            <pc:sldMk cId="1621760365" sldId="416"/>
+            <ac:spMk id="25" creationId="{8CF0CB8F-B1EE-D36D-B6D5-A02F5160AD78}"/>
+          </ac:spMkLst>
+        </pc:spChg>
+        <pc:picChg chg="add mod">
+          <ac:chgData name="Navarro Ulloa, Luis Enrique" userId="adde1b74-f296-445a-8659-1214c6e2ca22" providerId="ADAL" clId="{B9F19E8F-F5F3-4BF0-AA51-F5FCA0D95F5F}" dt="2022-08-14T23:19:40.935" v="7461" actId="1076"/>
+          <ac:picMkLst>
+            <pc:docMk/>
+            <pc:sldMk cId="1621760365" sldId="416"/>
+            <ac:picMk id="2" creationId="{86D5A5C9-676B-AA04-AC17-84571A326011}"/>
+          </ac:picMkLst>
+        </pc:picChg>
+        <pc:picChg chg="add del mod">
+          <ac:chgData name="Navarro Ulloa, Luis Enrique" userId="adde1b74-f296-445a-8659-1214c6e2ca22" providerId="ADAL" clId="{B9F19E8F-F5F3-4BF0-AA51-F5FCA0D95F5F}" dt="2022-08-13T00:19:40.139" v="2360" actId="21"/>
+          <ac:picMkLst>
+            <pc:docMk/>
+            <pc:sldMk cId="1621760365" sldId="416"/>
+            <ac:picMk id="8" creationId="{D1FBA974-A2FE-0395-8CD2-63D0635B0E24}"/>
+          </ac:picMkLst>
+        </pc:picChg>
+        <pc:picChg chg="add mod">
+          <ac:chgData name="Navarro Ulloa, Luis Enrique" userId="adde1b74-f296-445a-8659-1214c6e2ca22" providerId="ADAL" clId="{B9F19E8F-F5F3-4BF0-AA51-F5FCA0D95F5F}" dt="2022-08-14T23:17:07.841" v="7439" actId="207"/>
+          <ac:picMkLst>
+            <pc:docMk/>
+            <pc:sldMk cId="1621760365" sldId="416"/>
+            <ac:picMk id="11" creationId="{87881739-DC9D-3E90-E2D0-987FA140C2C8}"/>
+          </ac:picMkLst>
+        </pc:picChg>
+        <pc:picChg chg="add mod">
+          <ac:chgData name="Navarro Ulloa, Luis Enrique" userId="adde1b74-f296-445a-8659-1214c6e2ca22" providerId="ADAL" clId="{B9F19E8F-F5F3-4BF0-AA51-F5FCA0D95F5F}" dt="2022-08-14T23:17:07.841" v="7439" actId="207"/>
+          <ac:picMkLst>
+            <pc:docMk/>
+            <pc:sldMk cId="1621760365" sldId="416"/>
+            <ac:picMk id="13" creationId="{A3E96F77-B9CE-24E1-1BC7-D68C4952AC90}"/>
+          </ac:picMkLst>
+        </pc:picChg>
+        <pc:picChg chg="add del mod">
+          <ac:chgData name="Navarro Ulloa, Luis Enrique" userId="adde1b74-f296-445a-8659-1214c6e2ca22" providerId="ADAL" clId="{B9F19E8F-F5F3-4BF0-AA51-F5FCA0D95F5F}" dt="2022-08-13T00:32:32.608" v="3022" actId="21"/>
+          <ac:picMkLst>
+            <pc:docMk/>
+            <pc:sldMk cId="1621760365" sldId="416"/>
+            <ac:picMk id="15" creationId="{9BD59830-8C84-F27E-AAD6-61D69C0FE31B}"/>
+          </ac:picMkLst>
+        </pc:picChg>
+        <pc:picChg chg="add del mod">
+          <ac:chgData name="Navarro Ulloa, Luis Enrique" userId="adde1b74-f296-445a-8659-1214c6e2ca22" providerId="ADAL" clId="{B9F19E8F-F5F3-4BF0-AA51-F5FCA0D95F5F}" dt="2022-08-13T00:33:27.773" v="3035" actId="478"/>
+          <ac:picMkLst>
+            <pc:docMk/>
+            <pc:sldMk cId="1621760365" sldId="416"/>
+            <ac:picMk id="17" creationId="{3432C332-E101-8B71-71B2-6A2ACF9F0797}"/>
+          </ac:picMkLst>
+        </pc:picChg>
+        <pc:picChg chg="add del mod modCrop">
+          <ac:chgData name="Navarro Ulloa, Luis Enrique" userId="adde1b74-f296-445a-8659-1214c6e2ca22" providerId="ADAL" clId="{B9F19E8F-F5F3-4BF0-AA51-F5FCA0D95F5F}" dt="2022-08-14T23:19:33.863" v="7459" actId="478"/>
+          <ac:picMkLst>
+            <pc:docMk/>
+            <pc:sldMk cId="1621760365" sldId="416"/>
+            <ac:picMk id="19" creationId="{1BF7025D-6C54-4575-1767-3D1B4E88D40B}"/>
+          </ac:picMkLst>
+        </pc:picChg>
+      </pc:sldChg>
+      <pc:sldChg chg="delSp modSp add mod modAnim">
+        <pc:chgData name="Navarro Ulloa, Luis Enrique" userId="adde1b74-f296-445a-8659-1214c6e2ca22" providerId="ADAL" clId="{B9F19E8F-F5F3-4BF0-AA51-F5FCA0D95F5F}" dt="2022-08-14T23:15:45.806" v="7427"/>
+        <pc:sldMkLst>
+          <pc:docMk/>
+          <pc:sldMk cId="2628472177" sldId="417"/>
+        </pc:sldMkLst>
+        <pc:spChg chg="del">
+          <ac:chgData name="Navarro Ulloa, Luis Enrique" userId="adde1b74-f296-445a-8659-1214c6e2ca22" providerId="ADAL" clId="{B9F19E8F-F5F3-4BF0-AA51-F5FCA0D95F5F}" dt="2022-08-13T00:22:31.883" v="2373" actId="478"/>
+          <ac:spMkLst>
+            <pc:docMk/>
+            <pc:sldMk cId="2628472177" sldId="417"/>
+            <ac:spMk id="5" creationId="{FFBC71F0-B96C-93F4-CC1E-6F4270F8063E}"/>
+          </ac:spMkLst>
+        </pc:spChg>
+        <pc:spChg chg="mod">
+          <ac:chgData name="Navarro Ulloa, Luis Enrique" userId="adde1b74-f296-445a-8659-1214c6e2ca22" providerId="ADAL" clId="{B9F19E8F-F5F3-4BF0-AA51-F5FCA0D95F5F}" dt="2022-08-13T01:13:29.515" v="4962" actId="12788"/>
+          <ac:spMkLst>
+            <pc:docMk/>
+            <pc:sldMk cId="2628472177" sldId="417"/>
+            <ac:spMk id="9" creationId="{71231649-7150-4D39-CC6B-101B1B51AE1E}"/>
+          </ac:spMkLst>
+        </pc:spChg>
+        <pc:spChg chg="mod">
+          <ac:chgData name="Navarro Ulloa, Luis Enrique" userId="adde1b74-f296-445a-8659-1214c6e2ca22" providerId="ADAL" clId="{B9F19E8F-F5F3-4BF0-AA51-F5FCA0D95F5F}" dt="2022-08-13T01:36:07.857" v="7187" actId="404"/>
+          <ac:spMkLst>
+            <pc:docMk/>
+            <pc:sldMk cId="2628472177" sldId="417"/>
+            <ac:spMk id="26" creationId="{3A5F4AA9-864C-D0DB-C61E-0FD1C74BB981}"/>
+          </ac:spMkLst>
+        </pc:spChg>
+      </pc:sldChg>
+      <pc:sldChg chg="modSp add del mod">
+        <pc:chgData name="Navarro Ulloa, Luis Enrique" userId="adde1b74-f296-445a-8659-1214c6e2ca22" providerId="ADAL" clId="{B9F19E8F-F5F3-4BF0-AA51-F5FCA0D95F5F}" dt="2022-08-13T01:14:45.382" v="5003" actId="47"/>
+        <pc:sldMkLst>
+          <pc:docMk/>
+          <pc:sldMk cId="1719903094" sldId="418"/>
+        </pc:sldMkLst>
+        <pc:spChg chg="mod">
+          <ac:chgData name="Navarro Ulloa, Luis Enrique" userId="adde1b74-f296-445a-8659-1214c6e2ca22" providerId="ADAL" clId="{B9F19E8F-F5F3-4BF0-AA51-F5FCA0D95F5F}" dt="2022-08-13T01:14:41.106" v="5002" actId="20577"/>
+          <ac:spMkLst>
+            <pc:docMk/>
+            <pc:sldMk cId="1719903094" sldId="418"/>
+            <ac:spMk id="4" creationId="{65C81510-B585-55D4-871F-4373515622B0}"/>
+          </ac:spMkLst>
+        </pc:spChg>
+      </pc:sldChg>
+      <pc:sldChg chg="add del">
+        <pc:chgData name="Navarro Ulloa, Luis Enrique" userId="adde1b74-f296-445a-8659-1214c6e2ca22" providerId="ADAL" clId="{B9F19E8F-F5F3-4BF0-AA51-F5FCA0D95F5F}" dt="2022-08-13T00:22:40.282" v="2374" actId="47"/>
+        <pc:sldMkLst>
+          <pc:docMk/>
+          <pc:sldMk cId="2048029421" sldId="418"/>
+        </pc:sldMkLst>
+      </pc:sldChg>
+      <pc:sldChg chg="modSp add del mod">
+        <pc:chgData name="Navarro Ulloa, Luis Enrique" userId="adde1b74-f296-445a-8659-1214c6e2ca22" providerId="ADAL" clId="{B9F19E8F-F5F3-4BF0-AA51-F5FCA0D95F5F}" dt="2022-08-13T01:02:02.001" v="4112" actId="47"/>
+        <pc:sldMkLst>
+          <pc:docMk/>
+          <pc:sldMk cId="2318518667" sldId="418"/>
+        </pc:sldMkLst>
+        <pc:picChg chg="mod">
+          <ac:chgData name="Navarro Ulloa, Luis Enrique" userId="adde1b74-f296-445a-8659-1214c6e2ca22" providerId="ADAL" clId="{B9F19E8F-F5F3-4BF0-AA51-F5FCA0D95F5F}" dt="2022-08-13T01:01:56.310" v="4111" actId="1076"/>
+          <ac:picMkLst>
+            <pc:docMk/>
+            <pc:sldMk cId="2318518667" sldId="418"/>
+            <ac:picMk id="37" creationId="{BCC915FE-8E23-A60C-57AB-5F4FF2E6BDC5}"/>
+          </ac:picMkLst>
+        </pc:picChg>
+      </pc:sldChg>
+      <pc:sldChg chg="add del">
+        <pc:chgData name="Navarro Ulloa, Luis Enrique" userId="adde1b74-f296-445a-8659-1214c6e2ca22" providerId="ADAL" clId="{B9F19E8F-F5F3-4BF0-AA51-F5FCA0D95F5F}" dt="2022-08-13T01:11:48.338" v="4956" actId="47"/>
+        <pc:sldMkLst>
+          <pc:docMk/>
+          <pc:sldMk cId="2765295385" sldId="418"/>
+        </pc:sldMkLst>
+      </pc:sldChg>
+      <pc:sldChg chg="modSp add del mod">
+        <pc:chgData name="Navarro Ulloa, Luis Enrique" userId="adde1b74-f296-445a-8659-1214c6e2ca22" providerId="ADAL" clId="{B9F19E8F-F5F3-4BF0-AA51-F5FCA0D95F5F}" dt="2022-08-13T00:47:35.866" v="3418" actId="47"/>
+        <pc:sldMkLst>
+          <pc:docMk/>
+          <pc:sldMk cId="3468744819" sldId="418"/>
+        </pc:sldMkLst>
+        <pc:spChg chg="mod">
+          <ac:chgData name="Navarro Ulloa, Luis Enrique" userId="adde1b74-f296-445a-8659-1214c6e2ca22" providerId="ADAL" clId="{B9F19E8F-F5F3-4BF0-AA51-F5FCA0D95F5F}" dt="2022-08-13T00:45:23.657" v="3303" actId="20577"/>
+          <ac:spMkLst>
+            <pc:docMk/>
+            <pc:sldMk cId="3468744819" sldId="418"/>
+            <ac:spMk id="4" creationId="{65C81510-B585-55D4-871F-4373515622B0}"/>
+          </ac:spMkLst>
+        </pc:spChg>
+        <pc:spChg chg="mod">
+          <ac:chgData name="Navarro Ulloa, Luis Enrique" userId="adde1b74-f296-445a-8659-1214c6e2ca22" providerId="ADAL" clId="{B9F19E8F-F5F3-4BF0-AA51-F5FCA0D95F5F}" dt="2022-08-13T00:46:01.522" v="3401" actId="20577"/>
+          <ac:spMkLst>
+            <pc:docMk/>
+            <pc:sldMk cId="3468744819" sldId="418"/>
+            <ac:spMk id="26" creationId="{3A5F4AA9-864C-D0DB-C61E-0FD1C74BB981}"/>
+          </ac:spMkLst>
+        </pc:spChg>
+      </pc:sldChg>
+      <pc:sldChg chg="modSp add mod modAnim">
+        <pc:chgData name="Navarro Ulloa, Luis Enrique" userId="adde1b74-f296-445a-8659-1214c6e2ca22" providerId="ADAL" clId="{B9F19E8F-F5F3-4BF0-AA51-F5FCA0D95F5F}" dt="2022-08-14T23:18:16.937" v="7457"/>
+        <pc:sldMkLst>
+          <pc:docMk/>
+          <pc:sldMk cId="3482115784" sldId="418"/>
+        </pc:sldMkLst>
+        <pc:spChg chg="mod">
+          <ac:chgData name="Navarro Ulloa, Luis Enrique" userId="adde1b74-f296-445a-8659-1214c6e2ca22" providerId="ADAL" clId="{B9F19E8F-F5F3-4BF0-AA51-F5FCA0D95F5F}" dt="2022-08-13T01:15:33.507" v="5034" actId="20577"/>
+          <ac:spMkLst>
+            <pc:docMk/>
+            <pc:sldMk cId="3482115784" sldId="418"/>
+            <ac:spMk id="4" creationId="{65C81510-B585-55D4-871F-4373515622B0}"/>
+          </ac:spMkLst>
+        </pc:spChg>
+        <pc:spChg chg="mod">
+          <ac:chgData name="Navarro Ulloa, Luis Enrique" userId="adde1b74-f296-445a-8659-1214c6e2ca22" providerId="ADAL" clId="{B9F19E8F-F5F3-4BF0-AA51-F5FCA0D95F5F}" dt="2022-08-13T01:39:55.662" v="7407" actId="6549"/>
+          <ac:spMkLst>
+            <pc:docMk/>
+            <pc:sldMk cId="3482115784" sldId="418"/>
+            <ac:spMk id="5" creationId="{E1114D44-DDFA-4B51-A25B-F988CE09A3C1}"/>
+          </ac:spMkLst>
+        </pc:spChg>
+      </pc:sldChg>
+      <pc:sldChg chg="addSp delSp modSp add mod ord modAnim">
+        <pc:chgData name="Navarro Ulloa, Luis Enrique" userId="adde1b74-f296-445a-8659-1214c6e2ca22" providerId="ADAL" clId="{B9F19E8F-F5F3-4BF0-AA51-F5FCA0D95F5F}" dt="2022-08-14T23:18:11.076" v="7456"/>
+        <pc:sldMkLst>
+          <pc:docMk/>
+          <pc:sldMk cId="2483349713" sldId="419"/>
+        </pc:sldMkLst>
+        <pc:spChg chg="add del mod">
+          <ac:chgData name="Navarro Ulloa, Luis Enrique" userId="adde1b74-f296-445a-8659-1214c6e2ca22" providerId="ADAL" clId="{B9F19E8F-F5F3-4BF0-AA51-F5FCA0D95F5F}" dt="2022-08-13T01:27:29.391" v="6148" actId="478"/>
+          <ac:spMkLst>
+            <pc:docMk/>
+            <pc:sldMk cId="2483349713" sldId="419"/>
+            <ac:spMk id="3" creationId="{DB2F4B86-1206-D739-35F8-3E751611C9A6}"/>
+          </ac:spMkLst>
+        </pc:spChg>
+        <pc:spChg chg="mod">
+          <ac:chgData name="Navarro Ulloa, Luis Enrique" userId="adde1b74-f296-445a-8659-1214c6e2ca22" providerId="ADAL" clId="{B9F19E8F-F5F3-4BF0-AA51-F5FCA0D95F5F}" dt="2022-08-13T01:25:40.601" v="6045" actId="20577"/>
+          <ac:spMkLst>
+            <pc:docMk/>
+            <pc:sldMk cId="2483349713" sldId="419"/>
+            <ac:spMk id="4" creationId="{65C81510-B585-55D4-871F-4373515622B0}"/>
+          </ac:spMkLst>
+        </pc:spChg>
+        <pc:spChg chg="del mod">
+          <ac:chgData name="Navarro Ulloa, Luis Enrique" userId="adde1b74-f296-445a-8659-1214c6e2ca22" providerId="ADAL" clId="{B9F19E8F-F5F3-4BF0-AA51-F5FCA0D95F5F}" dt="2022-08-13T01:27:27.065" v="6147" actId="478"/>
+          <ac:spMkLst>
+            <pc:docMk/>
+            <pc:sldMk cId="2483349713" sldId="419"/>
+            <ac:spMk id="5" creationId="{E1114D44-DDFA-4B51-A25B-F988CE09A3C1}"/>
+          </ac:spMkLst>
+        </pc:spChg>
+        <pc:spChg chg="add mod">
+          <ac:chgData name="Navarro Ulloa, Luis Enrique" userId="adde1b74-f296-445a-8659-1214c6e2ca22" providerId="ADAL" clId="{B9F19E8F-F5F3-4BF0-AA51-F5FCA0D95F5F}" dt="2022-08-13T01:39:27.745" v="7406" actId="1076"/>
+          <ac:spMkLst>
+            <pc:docMk/>
+            <pc:sldMk cId="2483349713" sldId="419"/>
+            <ac:spMk id="6" creationId="{954C7A13-A87C-3D52-2CE3-06CBD7C9C0B0}"/>
+          </ac:spMkLst>
+        </pc:spChg>
+      </pc:sldChg>
+    </pc:docChg>
+  </pc:docChgLst>
+</pc:chgInfo>
+</file>
+
 <file path=ppt/handoutMasters/handoutMaster1.xml><?xml version="1.0" encoding="utf-8"?>
 <p:handoutMaster xmlns:a="http://schemas.openxmlformats.org/drawingml/2006/main" xmlns:r="http://schemas.openxmlformats.org/officeDocument/2006/relationships" xmlns:p="http://schemas.openxmlformats.org/presentationml/2006/main">
   <p:cSld>
@@ -240,7 +1336,7 @@
           <a:p>
             <a:fld id="{C87859BD-4604-2843-976C-9F2DEE3C79DB}" type="datetimeFigureOut">
               <a:rPr lang="en-US" smtClean="0"/>
-              <a:t>1/9/2023</a:t>
+              <a:t>8/20/24</a:t>
             </a:fld>
             <a:endParaRPr lang="en-US"/>
           </a:p>
@@ -405,7 +1501,7 @@
           <a:p>
             <a:fld id="{DE108F45-8DB7-E449-85E4-EC04F96DF3AA}" type="datetimeFigureOut">
               <a:rPr lang="en-US" smtClean="0"/>
-              <a:t>1/9/2023</a:t>
+              <a:t>8/20/24</a:t>
             </a:fld>
             <a:endParaRPr lang="en-US"/>
           </a:p>
@@ -4787,14 +5883,6 @@
               <a:t>Luis Navarro</a:t>
             </a:r>
           </a:p>
-          <a:p>
-            <a:pPr algn="ctr"/>
-            <a:endParaRPr lang="en-US" sz="2400" b="0" dirty="0">
-              <a:solidFill>
-                <a:schemeClr val="bg1"/>
-              </a:solidFill>
-            </a:endParaRPr>
-          </a:p>
         </p:txBody>
       </p:sp>
     </p:spTree>
@@ -9691,16 +10779,13 @@
           <a:p>
             <a:pPr algn="ctr"/>
             <a:r>
-              <a:rPr lang="en-US" sz="2400" b="0" dirty="0">
+              <a:rPr lang="en-US" sz="2400" b="0">
                 <a:solidFill>
                   <a:schemeClr val="bg1"/>
                 </a:solidFill>
               </a:rPr>
               <a:t>Luis Navarro</a:t>
             </a:r>
-          </a:p>
-          <a:p>
-            <a:pPr algn="ctr"/>
             <a:endParaRPr lang="en-US" sz="2400" b="0" dirty="0">
               <a:solidFill>
                 <a:schemeClr val="bg1"/>
@@ -9852,7 +10937,7 @@
                 <a:latin typeface="+mn-lt"/>
                 <a:cs typeface="Times New Roman" panose="02020603050405020304" pitchFamily="18" charset="0"/>
               </a:rPr>
-              <a:t>MW 4:45 – 6:00pm</a:t>
+              <a:t>TT 8:00 – 9:15am</a:t>
             </a:r>
           </a:p>
           <a:p>
@@ -9904,7 +10989,7 @@
                 <a:latin typeface="+mn-lt"/>
                 <a:cs typeface="Times New Roman" panose="02020603050405020304" pitchFamily="18" charset="0"/>
               </a:rPr>
-              <a:t>MW 6:00 – 7:30 pm</a:t>
+              <a:t>TT 9:30 – 10:30am</a:t>
             </a:r>
           </a:p>
           <a:p>
@@ -10073,7 +11158,7 @@
                 <a:latin typeface="+mn-lt"/>
                 <a:cs typeface="Times New Roman" panose="02020603050405020304" pitchFamily="18" charset="0"/>
               </a:rPr>
-              <a:t>Doctoral Student at O’Neill. Public Finance Track. </a:t>
+              <a:t>PhD Student at O’Neill. Public Finance and Policy Analysis. </a:t>
             </a:r>
           </a:p>
           <a:p>
@@ -10099,7 +11184,7 @@
                 <a:latin typeface="+mn-lt"/>
                 <a:cs typeface="Times New Roman" panose="02020603050405020304" pitchFamily="18" charset="0"/>
               </a:rPr>
-              <a:t>Local Tax Policy and Municipal Bond Market. </a:t>
+              <a:t>Financial Management, Fiscal Federalism, Local Tax Policy and Municipal Debt Markets. </a:t>
             </a:r>
             <a:endParaRPr lang="en-US" sz="1600" b="1" dirty="0">
               <a:solidFill>
@@ -10158,7 +11243,7 @@
                 <a:latin typeface="+mn-lt"/>
                 <a:cs typeface="Times New Roman" panose="02020603050405020304" pitchFamily="18" charset="0"/>
               </a:rPr>
-              <a:t>economist at the federal government and financial advisor for government organizations (federal and local) and firms (investment banking).  </a:t>
+              <a:t>economist at the Ministry of Finance and financial advisor for government organizations (federal, state and local). </a:t>
             </a:r>
             <a:endParaRPr lang="en-US" sz="1600" b="1" dirty="0">
               <a:solidFill>
@@ -15286,18 +16371,18 @@
 </file>
 
 <file path=customXml/item1.xml><?xml version="1.0" encoding="utf-8"?>
-<p:properties xmlns:p="http://schemas.microsoft.com/office/2006/metadata/properties" xmlns:xsi="http://www.w3.org/2001/XMLSchema-instance" xmlns:pc="http://schemas.microsoft.com/office/infopath/2007/PartnerControls">
-  <documentManagement/>
-</p:properties>
-</file>
-
-<file path=customXml/item2.xml><?xml version="1.0" encoding="utf-8"?>
 <?mso-contentType ?>
 <FormTemplates xmlns="http://schemas.microsoft.com/sharepoint/v3/contenttype/forms">
   <Display>DocumentLibraryForm</Display>
   <Edit>DocumentLibraryForm</Edit>
   <New>DocumentLibraryForm</New>
 </FormTemplates>
+</file>
+
+<file path=customXml/item2.xml><?xml version="1.0" encoding="utf-8"?>
+<p:properties xmlns:p="http://schemas.microsoft.com/office/2006/metadata/properties" xmlns:xsi="http://www.w3.org/2001/XMLSchema-instance" xmlns:pc="http://schemas.microsoft.com/office/infopath/2007/PartnerControls">
+  <documentManagement/>
+</p:properties>
 </file>
 
 <file path=customXml/item3.xml><?xml version="1.0" encoding="utf-8"?>
@@ -15524,26 +16609,26 @@
 </file>
 
 <file path=customXml/itemProps1.xml><?xml version="1.0" encoding="utf-8"?>
-<ds:datastoreItem xmlns:ds="http://schemas.openxmlformats.org/officeDocument/2006/customXml" ds:itemID="{7B6F2769-7194-4217-93D3-3AF3A4742282}">
+<ds:datastoreItem xmlns:ds="http://schemas.openxmlformats.org/officeDocument/2006/customXml" ds:itemID="{87D2A1B0-FF3E-4009-940D-AED0EB70AA20}">
   <ds:schemaRefs>
-    <ds:schemaRef ds:uri="http://schemas.microsoft.com/office/infopath/2007/PartnerControls"/>
-    <ds:schemaRef ds:uri="http://schemas.microsoft.com/office/2006/documentManagement/types"/>
-    <ds:schemaRef ds:uri="82db8b44-0703-48fc-920e-285d3f66b75e"/>
-    <ds:schemaRef ds:uri="http://www.w3.org/XML/1998/namespace"/>
-    <ds:schemaRef ds:uri="http://schemas.microsoft.com/office/2006/metadata/properties"/>
-    <ds:schemaRef ds:uri="http://purl.org/dc/terms/"/>
-    <ds:schemaRef ds:uri="http://purl.org/dc/elements/1.1/"/>
-    <ds:schemaRef ds:uri="8db4f6ed-281a-40b3-a3a6-248115f75364"/>
-    <ds:schemaRef ds:uri="http://schemas.openxmlformats.org/package/2006/metadata/core-properties"/>
-    <ds:schemaRef ds:uri="http://purl.org/dc/dcmitype/"/>
+    <ds:schemaRef ds:uri="http://schemas.microsoft.com/sharepoint/v3/contenttype/forms"/>
   </ds:schemaRefs>
 </ds:datastoreItem>
 </file>
 
 <file path=customXml/itemProps2.xml><?xml version="1.0" encoding="utf-8"?>
-<ds:datastoreItem xmlns:ds="http://schemas.openxmlformats.org/officeDocument/2006/customXml" ds:itemID="{87D2A1B0-FF3E-4009-940D-AED0EB70AA20}">
+<ds:datastoreItem xmlns:ds="http://schemas.openxmlformats.org/officeDocument/2006/customXml" ds:itemID="{7B6F2769-7194-4217-93D3-3AF3A4742282}">
   <ds:schemaRefs>
-    <ds:schemaRef ds:uri="http://schemas.microsoft.com/sharepoint/v3/contenttype/forms"/>
+    <ds:schemaRef ds:uri="82db8b44-0703-48fc-920e-285d3f66b75e"/>
+    <ds:schemaRef ds:uri="http://schemas.openxmlformats.org/package/2006/metadata/core-properties"/>
+    <ds:schemaRef ds:uri="http://purl.org/dc/terms/"/>
+    <ds:schemaRef ds:uri="http://schemas.microsoft.com/office/2006/documentManagement/types"/>
+    <ds:schemaRef ds:uri="http://purl.org/dc/dcmitype/"/>
+    <ds:schemaRef ds:uri="8db4f6ed-281a-40b3-a3a6-248115f75364"/>
+    <ds:schemaRef ds:uri="http://www.w3.org/XML/1998/namespace"/>
+    <ds:schemaRef ds:uri="http://schemas.microsoft.com/office/2006/metadata/properties"/>
+    <ds:schemaRef ds:uri="http://purl.org/dc/elements/1.1/"/>
+    <ds:schemaRef ds:uri="http://schemas.microsoft.com/office/infopath/2007/PartnerControls"/>
   </ds:schemaRefs>
 </ds:datastoreItem>
 </file>
